--- a/redis-seminar/3-20180425-Implement P2P Extension For Redis-Zhang/Redis事件&通信协议，P2P扩展，后续方案.pptx
+++ b/redis-seminar/3-20180425-Implement P2P Extension For Redis-Zhang/Redis事件&通信协议，P2P扩展，后续方案.pptx
@@ -21248,13 +21248,31 @@
           <a:p>
             <a:pPr algn="ctr"/>
             <a:r>
+              <a:rPr lang="zh-CN" altLang="en-US" sz="1600" smtClean="0">
+                <a:solidFill>
+                  <a:schemeClr val="tx1"/>
+                </a:solidFill>
+                <a:ea typeface="黑体" panose="02010609060101010101" pitchFamily="49" charset="-122"/>
+              </a:rPr>
+              <a:t>处理到期的</a:t>
+            </a:r>
+            <a:r>
+              <a:rPr lang="zh-CN" altLang="en-US" sz="1600" smtClean="0">
+                <a:solidFill>
+                  <a:schemeClr val="tx1"/>
+                </a:solidFill>
+                <a:ea typeface="黑体" panose="02010609060101010101" pitchFamily="49" charset="-122"/>
+              </a:rPr>
+              <a:t>时间</a:t>
+            </a:r>
+            <a:r>
               <a:rPr lang="zh-CN" altLang="en-US" sz="1600" dirty="0" smtClean="0">
                 <a:solidFill>
                   <a:schemeClr val="tx1"/>
                 </a:solidFill>
                 <a:ea typeface="黑体" panose="02010609060101010101" pitchFamily="49" charset="-122"/>
               </a:rPr>
-              <a:t>处理触发的文件事件们</a:t>
+              <a:t>事件</a:t>
             </a:r>
             <a:endParaRPr lang="zh-CN" altLang="en-US" sz="1600" dirty="0">
               <a:solidFill>
